--- a/Poster.pptx
+++ b/Poster.pptx
@@ -1804,7 +1804,7 @@
           <a:p>
             <a:fld id="{985D6BDF-9D0E-4E2B-85B8-D8F4790360C9}" type="datetimeFigureOut">
               <a:rPr lang="en-US" smtClean="0"/>
-              <a:t>2025-01-07</a:t>
+              <a:t>2025-01-08</a:t>
             </a:fld>
             <a:endParaRPr lang="en-US" dirty="0"/>
           </a:p>
@@ -2024,7 +2024,7 @@
           <a:p>
             <a:fld id="{985D6BDF-9D0E-4E2B-85B8-D8F4790360C9}" type="datetimeFigureOut">
               <a:rPr lang="en-US" smtClean="0"/>
-              <a:t>2025-01-07</a:t>
+              <a:t>2025-01-08</a:t>
             </a:fld>
             <a:endParaRPr lang="en-US" dirty="0"/>
           </a:p>
@@ -2751,15 +2751,6 @@
               </a:rPr>
               <a:t> "Yin Yang"</a:t>
             </a:r>
-            <a:endParaRPr lang="en-US" sz="6000" b="1" dirty="0">
-              <a:solidFill>
-                <a:schemeClr val="accent3">
-                  <a:lumMod val="20000"/>
-                  <a:lumOff val="80000"/>
-                </a:schemeClr>
-              </a:solidFill>
-              <a:latin typeface="+mn-lt"/>
-            </a:endParaRPr>
           </a:p>
         </p:txBody>
       </p:sp>
@@ -3403,7 +3394,7 @@
           <a:p>
             <a:pPr algn="ctr"/>
             <a:r>
-              <a:rPr lang="en-US" sz="5400" b="1" dirty="0">
+              <a:rPr lang="en-US" sz="5400" b="1" smtClean="0">
                 <a:solidFill>
                   <a:schemeClr val="accent3">
                     <a:lumMod val="20000"/>
@@ -3411,8 +3402,16 @@
                   </a:schemeClr>
                 </a:solidFill>
               </a:rPr>
-              <a:t>Introduction</a:t>
-            </a:r>
+              <a:t>Introducere</a:t>
+            </a:r>
+            <a:endParaRPr lang="en-US" sz="5400" b="1" dirty="0">
+              <a:solidFill>
+                <a:schemeClr val="accent3">
+                  <a:lumMod val="20000"/>
+                  <a:lumOff val="80000"/>
+                </a:schemeClr>
+              </a:solidFill>
+            </a:endParaRPr>
           </a:p>
         </p:txBody>
       </p:sp>

--- a/Poster.pptx
+++ b/Poster.pptx
@@ -1804,7 +1804,7 @@
           <a:p>
             <a:fld id="{985D6BDF-9D0E-4E2B-85B8-D8F4790360C9}" type="datetimeFigureOut">
               <a:rPr lang="en-US" smtClean="0"/>
-              <a:t>2025-01-08</a:t>
+              <a:t>2025-01-09</a:t>
             </a:fld>
             <a:endParaRPr lang="en-US" dirty="0"/>
           </a:p>
@@ -2024,7 +2024,7 @@
           <a:p>
             <a:fld id="{985D6BDF-9D0E-4E2B-85B8-D8F4790360C9}" type="datetimeFigureOut">
               <a:rPr lang="en-US" smtClean="0"/>
-              <a:t>2025-01-08</a:t>
+              <a:t>2025-01-09</a:t>
             </a:fld>
             <a:endParaRPr lang="en-US" dirty="0"/>
           </a:p>
@@ -2762,7 +2762,7 @@
         </p:nvSpPr>
         <p:spPr>
           <a:xfrm>
-            <a:off x="793969" y="39732334"/>
+            <a:off x="24516445" y="38812904"/>
             <a:ext cx="4624167" cy="1011149"/>
           </a:xfrm>
           <a:prstGeom prst="rect">
@@ -2781,6 +2781,7 @@
           </a:bodyPr>
           <a:lstStyle/>
           <a:p>
+            <a:pPr algn="r"/>
             <a:r>
               <a:rPr lang="en-US" sz="3000" dirty="0" err="1" smtClean="0"/>
               <a:t>Popa</a:t>
@@ -2804,6 +2805,7 @@
             <a:endParaRPr lang="en-US" sz="3000" dirty="0" smtClean="0"/>
           </a:p>
           <a:p>
+            <a:pPr algn="r"/>
             <a:r>
               <a:rPr lang="en-US" sz="3000" dirty="0" err="1" smtClean="0"/>
               <a:t>Chihalau</a:t>
@@ -2823,7 +2825,7 @@
         </p:nvSpPr>
         <p:spPr>
           <a:xfrm>
-            <a:off x="764369" y="38770719"/>
+            <a:off x="24041820" y="37840012"/>
             <a:ext cx="5347567" cy="918816"/>
           </a:xfrm>
           <a:prstGeom prst="rect">
@@ -5318,7 +5320,7 @@
         </p:nvSpPr>
         <p:spPr>
           <a:xfrm>
-            <a:off x="22521100" y="38944681"/>
+            <a:off x="23055781" y="39898650"/>
             <a:ext cx="6333606" cy="918816"/>
           </a:xfrm>
           <a:prstGeom prst="rect">
@@ -5356,7 +5358,7 @@
         </p:nvSpPr>
         <p:spPr>
           <a:xfrm>
-            <a:off x="22529037" y="39863497"/>
+            <a:off x="24765220" y="40967770"/>
             <a:ext cx="4624167" cy="549484"/>
           </a:xfrm>
           <a:prstGeom prst="rect">
@@ -5375,6 +5377,7 @@
           </a:bodyPr>
           <a:lstStyle/>
           <a:p>
+            <a:pPr algn="r"/>
             <a:r>
               <a:rPr lang="en-US" sz="3000" dirty="0" err="1"/>
               <a:t>Ș.l.dr.ing</a:t>
@@ -5719,6 +5722,161 @@
           </a:extLst>
         </p:spPr>
       </p:pic>
+      <p:sp>
+        <p:nvSpPr>
+          <p:cNvPr id="29" name="TextBox 28"/>
+          <p:cNvSpPr txBox="1"/>
+          <p:nvPr/>
+        </p:nvSpPr>
+        <p:spPr>
+          <a:xfrm>
+            <a:off x="805075" y="38758828"/>
+            <a:ext cx="10783224" cy="3319473"/>
+          </a:xfrm>
+          <a:prstGeom prst="rect">
+            <a:avLst/>
+          </a:prstGeom>
+          <a:solidFill>
+            <a:schemeClr val="accent1">
+              <a:lumMod val="40000"/>
+              <a:lumOff val="60000"/>
+            </a:schemeClr>
+          </a:solidFill>
+        </p:spPr>
+        <p:txBody>
+          <a:bodyPr wrap="square" lIns="86970" tIns="43485" rIns="86970" bIns="43485" rtlCol="0">
+            <a:spAutoFit/>
+          </a:bodyPr>
+          <a:lstStyle/>
+          <a:p>
+            <a:r>
+              <a:rPr lang="en-US" sz="3000" dirty="0"/>
+              <a:t>1. Personality Traits Identification Through Handwriting Analysis (T. </a:t>
+            </a:r>
+            <a:r>
+              <a:rPr lang="en-US" sz="3000" dirty="0" err="1"/>
+              <a:t>Mekhaznia</a:t>
+            </a:r>
+            <a:r>
+              <a:rPr lang="en-US" sz="3000" dirty="0"/>
+              <a:t>, C. </a:t>
+            </a:r>
+            <a:r>
+              <a:rPr lang="en-US" sz="3000" dirty="0" err="1"/>
+              <a:t>Djeddi</a:t>
+            </a:r>
+            <a:r>
+              <a:rPr lang="en-US" sz="3000" dirty="0"/>
+              <a:t>, S. </a:t>
+            </a:r>
+            <a:r>
+              <a:rPr lang="en-US" sz="3000" dirty="0" err="1"/>
+              <a:t>Sarkar</a:t>
+            </a:r>
+            <a:r>
+              <a:rPr lang="en-US" sz="3000" dirty="0"/>
+              <a:t>)</a:t>
+            </a:r>
+          </a:p>
+          <a:p>
+            <a:r>
+              <a:rPr lang="en-US" sz="3000" dirty="0"/>
+              <a:t>2. Handwriting and Drawing Features for Detecting Personality Traits (A. Esposito, T. </a:t>
+            </a:r>
+            <a:r>
+              <a:rPr lang="en-US" sz="3000" dirty="0" err="1"/>
+              <a:t>Amorese</a:t>
+            </a:r>
+            <a:r>
+              <a:rPr lang="en-US" sz="3000" dirty="0"/>
+              <a:t>, M. </a:t>
+            </a:r>
+            <a:r>
+              <a:rPr lang="en-US" sz="3000" dirty="0" err="1"/>
+              <a:t>Buonanno</a:t>
+            </a:r>
+            <a:r>
+              <a:rPr lang="en-US" sz="3000" dirty="0"/>
+              <a:t>)</a:t>
+            </a:r>
+          </a:p>
+          <a:p>
+            <a:r>
+              <a:rPr lang="en-US" sz="3000" dirty="0"/>
+              <a:t>3. Handwritten Character Recognition (S. </a:t>
+            </a:r>
+            <a:r>
+              <a:rPr lang="en-US" sz="3000" dirty="0" err="1"/>
+              <a:t>Firdous</a:t>
+            </a:r>
+            <a:r>
+              <a:rPr lang="en-US" sz="3000" dirty="0"/>
+              <a:t>)</a:t>
+            </a:r>
+          </a:p>
+          <a:p>
+            <a:r>
+              <a:rPr lang="en-US" sz="3000" dirty="0"/>
+              <a:t>4. Detection of Personality Features From Handwriting By Machine Learning Methods (H. </a:t>
+            </a:r>
+            <a:r>
+              <a:rPr lang="en-US" sz="3000" dirty="0" err="1"/>
+              <a:t>Müsevitoğlu</a:t>
+            </a:r>
+            <a:r>
+              <a:rPr lang="en-US" sz="3000" dirty="0"/>
+              <a:t>, A. </a:t>
+            </a:r>
+            <a:r>
+              <a:rPr lang="en-US" sz="3000" dirty="0" err="1"/>
+              <a:t>Öztürk</a:t>
+            </a:r>
+            <a:r>
+              <a:rPr lang="en-US" sz="3000" dirty="0"/>
+              <a:t>, F.N. </a:t>
+            </a:r>
+            <a:r>
+              <a:rPr lang="en-US" sz="3000" dirty="0" err="1"/>
+              <a:t>Başünald</a:t>
+            </a:r>
+            <a:r>
+              <a:rPr lang="en-US" sz="3000" dirty="0"/>
+              <a:t>)</a:t>
+            </a:r>
+            <a:endParaRPr lang="en-US" sz="3000" dirty="0" smtClean="0"/>
+          </a:p>
+        </p:txBody>
+      </p:sp>
+      <p:sp>
+        <p:nvSpPr>
+          <p:cNvPr id="30" name="TextBox 29"/>
+          <p:cNvSpPr txBox="1"/>
+          <p:nvPr/>
+        </p:nvSpPr>
+        <p:spPr>
+          <a:xfrm>
+            <a:off x="787613" y="37779506"/>
+            <a:ext cx="2815207" cy="918816"/>
+          </a:xfrm>
+          <a:prstGeom prst="rect">
+            <a:avLst/>
+          </a:prstGeom>
+          <a:noFill/>
+        </p:spPr>
+        <p:txBody>
+          <a:bodyPr wrap="none" lIns="86970" tIns="43485" rIns="86970" bIns="43485" rtlCol="0">
+            <a:spAutoFit/>
+          </a:bodyPr>
+          <a:lstStyle/>
+          <a:p>
+            <a:r>
+              <a:rPr lang="en-US" sz="5400" b="1" dirty="0" err="1" smtClean="0"/>
+              <a:t>Referinte</a:t>
+            </a:r>
+            <a:endParaRPr lang="en-US" sz="5400" b="1" dirty="0"/>
+          </a:p>
+        </p:txBody>
+      </p:sp>
     </p:spTree>
     <p:extLst>
       <p:ext uri="{BB962C8B-B14F-4D97-AF65-F5344CB8AC3E}">

--- a/Poster.pptx
+++ b/Poster.pptx
@@ -2762,7 +2762,7 @@
         </p:nvSpPr>
         <p:spPr>
           <a:xfrm>
-            <a:off x="24516445" y="38812904"/>
+            <a:off x="24516444" y="38758828"/>
             <a:ext cx="4624167" cy="1011149"/>
           </a:xfrm>
           <a:prstGeom prst="rect">
@@ -5320,8 +5320,8 @@
         </p:nvSpPr>
         <p:spPr>
           <a:xfrm>
-            <a:off x="23055781" y="39898650"/>
-            <a:ext cx="6333606" cy="918816"/>
+            <a:off x="22715944" y="39898650"/>
+            <a:ext cx="6673443" cy="918816"/>
           </a:xfrm>
           <a:prstGeom prst="rect">
             <a:avLst/>
@@ -5336,7 +5336,7 @@
           <a:p>
             <a:r>
               <a:rPr lang="en-US" sz="5400" b="1" dirty="0" err="1" smtClean="0"/>
-              <a:t>Profesor</a:t>
+              <a:t>Profesori</a:t>
             </a:r>
             <a:r>
               <a:rPr lang="en-US" sz="5400" b="1" dirty="0" smtClean="0"/>
@@ -5344,7 +5344,7 @@
             </a:r>
             <a:r>
               <a:rPr lang="en-US" sz="5400" b="1" dirty="0" err="1" smtClean="0"/>
-              <a:t>coordonator</a:t>
+              <a:t>coordonatori</a:t>
             </a:r>
             <a:endParaRPr lang="en-US" sz="5400" b="1" dirty="0"/>
           </a:p>
@@ -5358,8 +5358,8 @@
         </p:nvSpPr>
         <p:spPr>
           <a:xfrm>
-            <a:off x="24765220" y="40967770"/>
-            <a:ext cx="4624167" cy="549484"/>
+            <a:off x="24782682" y="40817466"/>
+            <a:ext cx="4624167" cy="1472814"/>
           </a:xfrm>
           <a:prstGeom prst="rect">
             <a:avLst/>
@@ -5395,8 +5395,36 @@
               <a:t> </a:t>
             </a:r>
             <a:r>
+              <a:rPr lang="en-US" sz="3000" dirty="0" err="1" smtClean="0"/>
+              <a:t>Otilia</a:t>
+            </a:r>
+            <a:endParaRPr lang="en-US" sz="3000" dirty="0" smtClean="0"/>
+          </a:p>
+          <a:p>
+            <a:pPr algn="r"/>
+            <a:r>
               <a:rPr lang="en-US" sz="3000" dirty="0" err="1"/>
-              <a:t>Otilia</a:t>
+              <a:t>Ștefan</a:t>
+            </a:r>
+            <a:r>
+              <a:rPr lang="en-US" sz="3000" dirty="0"/>
+              <a:t>-Daniel </a:t>
+            </a:r>
+            <a:r>
+              <a:rPr lang="en-US" sz="3000" dirty="0" err="1"/>
+              <a:t>Achirei</a:t>
+            </a:r>
+            <a:endParaRPr lang="en-US" sz="3000" dirty="0"/>
+          </a:p>
+          <a:p>
+            <a:pPr algn="r"/>
+            <a:r>
+              <a:rPr lang="en-US" sz="3000" dirty="0"/>
+              <a:t>Elena-Claudia </a:t>
+            </a:r>
+            <a:r>
+              <a:rPr lang="en-US" sz="3000" dirty="0" err="1"/>
+              <a:t>Maftei</a:t>
             </a:r>
             <a:endParaRPr lang="en-US" sz="3000" dirty="0" smtClean="0"/>
           </a:p>
